--- a/obhajoba.pptx
+++ b/obhajoba.pptx
@@ -2,19 +2,20 @@
 <file path=ppt/presentation.xml><?xml version="1.0" encoding="utf-8"?>
 <p:presentation xmlns:a="http://schemas.openxmlformats.org/drawingml/2006/main" xmlns:r="http://schemas.openxmlformats.org/officeDocument/2006/relationships" xmlns:p="http://schemas.openxmlformats.org/presentationml/2006/main" saveSubsetFonts="1">
   <p:sldMasterIdLst>
-    <p:sldMasterId id="2147483648" r:id="rId1"/>
+    <p:sldMasterId id="2147483648" r:id="rId4"/>
   </p:sldMasterIdLst>
   <p:sldIdLst>
-    <p:sldId id="256" r:id="rId2"/>
-    <p:sldId id="257" r:id="rId3"/>
-    <p:sldId id="258" r:id="rId4"/>
-    <p:sldId id="261" r:id="rId5"/>
-    <p:sldId id="260" r:id="rId6"/>
-    <p:sldId id="259" r:id="rId7"/>
-    <p:sldId id="262" r:id="rId8"/>
-    <p:sldId id="263" r:id="rId9"/>
-    <p:sldId id="265" r:id="rId10"/>
-    <p:sldId id="266" r:id="rId11"/>
+    <p:sldId id="256" r:id="rId5"/>
+    <p:sldId id="257" r:id="rId6"/>
+    <p:sldId id="258" r:id="rId7"/>
+    <p:sldId id="261" r:id="rId8"/>
+    <p:sldId id="260" r:id="rId9"/>
+    <p:sldId id="259" r:id="rId10"/>
+    <p:sldId id="262" r:id="rId11"/>
+    <p:sldId id="263" r:id="rId12"/>
+    <p:sldId id="267" r:id="rId13"/>
+    <p:sldId id="265" r:id="rId14"/>
+    <p:sldId id="266" r:id="rId15"/>
   </p:sldIdLst>
   <p:sldSz cx="12192000" cy="6858000"/>
   <p:notesSz cx="6858000" cy="9144000"/>
@@ -3455,6 +3456,112 @@
           <p:cNvPr id="2" name="Nadpis 1">
             <a:extLst>
               <a:ext uri="{FF2B5EF4-FFF2-40B4-BE49-F238E27FC236}">
+                <a16:creationId xmlns:a16="http://schemas.microsoft.com/office/drawing/2014/main" id="{8B89AB14-549F-FDA5-B7E7-D11FCB4AF2CE}"/>
+              </a:ext>
+            </a:extLst>
+          </p:cNvPr>
+          <p:cNvSpPr>
+            <a:spLocks noGrp="1"/>
+          </p:cNvSpPr>
+          <p:nvPr>
+            <p:ph type="title"/>
+          </p:nvPr>
+        </p:nvSpPr>
+        <p:spPr/>
+        <p:txBody>
+          <a:bodyPr/>
+          <a:lstStyle/>
+          <a:p>
+            <a:r>
+              <a:rPr lang="cs-CZ" dirty="0"/>
+              <a:t>Problémový převod z </a:t>
+            </a:r>
+            <a:r>
+              <a:rPr lang="cs-CZ" dirty="0" err="1"/>
+              <a:t>Shapefile</a:t>
+            </a:r>
+            <a:r>
+              <a:rPr lang="cs-CZ" dirty="0"/>
+              <a:t> do </a:t>
+            </a:r>
+            <a:r>
+              <a:rPr lang="cs-CZ" dirty="0" err="1"/>
+              <a:t>GeoJSON</a:t>
+            </a:r>
+            <a:endParaRPr lang="cs-CZ" dirty="0"/>
+          </a:p>
+        </p:txBody>
+      </p:sp>
+      <p:pic>
+        <p:nvPicPr>
+          <p:cNvPr id="5" name="Zástupný obsah 4" descr="Obsah obrázku snímek obrazovky, Barevnost, design&#10;&#10;Popis byl vytvořen automaticky">
+            <a:extLst>
+              <a:ext uri="{FF2B5EF4-FFF2-40B4-BE49-F238E27FC236}">
+                <a16:creationId xmlns:a16="http://schemas.microsoft.com/office/drawing/2014/main" id="{8735F05E-5B0C-B950-7D07-DBC845E52F13}"/>
+              </a:ext>
+            </a:extLst>
+          </p:cNvPr>
+          <p:cNvPicPr>
+            <a:picLocks noGrp="1" noChangeAspect="1"/>
+          </p:cNvPicPr>
+          <p:nvPr>
+            <p:ph idx="1"/>
+          </p:nvPr>
+        </p:nvPicPr>
+        <p:blipFill>
+          <a:blip r:embed="rId2">
+            <a:extLst>
+              <a:ext uri="{28A0092B-C50C-407E-A947-70E740481C1C}">
+                <a14:useLocalDpi xmlns:a14="http://schemas.microsoft.com/office/drawing/2010/main" val="0"/>
+              </a:ext>
+            </a:extLst>
+          </a:blip>
+          <a:stretch>
+            <a:fillRect/>
+          </a:stretch>
+        </p:blipFill>
+        <p:spPr>
+          <a:xfrm>
+            <a:off x="3843620" y="2049705"/>
+            <a:ext cx="4504759" cy="4443170"/>
+          </a:xfrm>
+        </p:spPr>
+      </p:pic>
+    </p:spTree>
+    <p:extLst>
+      <p:ext uri="{BB962C8B-B14F-4D97-AF65-F5344CB8AC3E}">
+        <p14:creationId xmlns:p14="http://schemas.microsoft.com/office/powerpoint/2010/main" val="2758149665"/>
+      </p:ext>
+    </p:extLst>
+  </p:cSld>
+  <p:clrMapOvr>
+    <a:masterClrMapping/>
+  </p:clrMapOvr>
+</p:sld>
+</file>
+
+<file path=ppt/slides/slide11.xml><?xml version="1.0" encoding="utf-8"?>
+<p:sld xmlns:a="http://schemas.openxmlformats.org/drawingml/2006/main" xmlns:r="http://schemas.openxmlformats.org/officeDocument/2006/relationships" xmlns:p="http://schemas.openxmlformats.org/presentationml/2006/main">
+  <p:cSld>
+    <p:spTree>
+      <p:nvGrpSpPr>
+        <p:cNvPr id="1" name=""/>
+        <p:cNvGrpSpPr/>
+        <p:nvPr/>
+      </p:nvGrpSpPr>
+      <p:grpSpPr>
+        <a:xfrm>
+          <a:off x="0" y="0"/>
+          <a:ext cx="0" cy="0"/>
+          <a:chOff x="0" y="0"/>
+          <a:chExt cx="0" cy="0"/>
+        </a:xfrm>
+      </p:grpSpPr>
+      <p:sp>
+        <p:nvSpPr>
+          <p:cNvPr id="2" name="Nadpis 1">
+            <a:extLst>
+              <a:ext uri="{FF2B5EF4-FFF2-40B4-BE49-F238E27FC236}">
                 <a16:creationId xmlns:a16="http://schemas.microsoft.com/office/drawing/2014/main" id="{BAF44B81-F2F1-523C-D3FC-19CFA205C8C0}"/>
               </a:ext>
             </a:extLst>
@@ -4200,7 +4307,7 @@
           <p:cNvPr id="2" name="Nadpis 1">
             <a:extLst>
               <a:ext uri="{FF2B5EF4-FFF2-40B4-BE49-F238E27FC236}">
-                <a16:creationId xmlns:a16="http://schemas.microsoft.com/office/drawing/2014/main" id="{8B89AB14-549F-FDA5-B7E7-D11FCB4AF2CE}"/>
+                <a16:creationId xmlns:a16="http://schemas.microsoft.com/office/drawing/2014/main" id="{BED2493B-E048-BE88-58BF-B349EC602912}"/>
               </a:ext>
             </a:extLst>
           </p:cNvPr>
@@ -4218,63 +4325,51 @@
           <a:p>
             <a:r>
               <a:rPr lang="cs-CZ" dirty="0"/>
-              <a:t>Problémový převod z </a:t>
+              <a:t>Otázka</a:t>
+            </a:r>
+          </a:p>
+        </p:txBody>
+      </p:sp>
+      <p:sp>
+        <p:nvSpPr>
+          <p:cNvPr id="3" name="Zástupný obsah 2">
+            <a:extLst>
+              <a:ext uri="{FF2B5EF4-FFF2-40B4-BE49-F238E27FC236}">
+                <a16:creationId xmlns:a16="http://schemas.microsoft.com/office/drawing/2014/main" id="{749F99AE-76A0-9352-322D-3C5900CE5971}"/>
+              </a:ext>
+            </a:extLst>
+          </p:cNvPr>
+          <p:cNvSpPr>
+            <a:spLocks noGrp="1"/>
+          </p:cNvSpPr>
+          <p:nvPr>
+            <p:ph idx="1"/>
+          </p:nvPr>
+        </p:nvSpPr>
+        <p:spPr/>
+        <p:txBody>
+          <a:bodyPr/>
+          <a:lstStyle/>
+          <a:p>
+            <a:r>
+              <a:rPr lang="cs-CZ" dirty="0"/>
+              <a:t>V kapitole 5.4 popisujete tři hlavní přístupy při integraci knihovny </a:t>
             </a:r>
             <a:r>
               <a:rPr lang="cs-CZ" dirty="0" err="1"/>
-              <a:t>Shapefile</a:t>
+              <a:t>Mapbox</a:t>
             </a:r>
             <a:r>
               <a:rPr lang="cs-CZ" dirty="0"/>
-              <a:t> do </a:t>
-            </a:r>
-            <a:r>
-              <a:rPr lang="cs-CZ" dirty="0" err="1"/>
-              <a:t>GeoJSON</a:t>
-            </a:r>
-            <a:endParaRPr lang="cs-CZ" dirty="0"/>
-          </a:p>
-        </p:txBody>
-      </p:sp>
-      <p:pic>
-        <p:nvPicPr>
-          <p:cNvPr id="5" name="Zástupný obsah 4" descr="Obsah obrázku snímek obrazovky, Barevnost, design&#10;&#10;Popis byl vytvořen automaticky">
-            <a:extLst>
-              <a:ext uri="{FF2B5EF4-FFF2-40B4-BE49-F238E27FC236}">
-                <a16:creationId xmlns:a16="http://schemas.microsoft.com/office/drawing/2014/main" id="{8735F05E-5B0C-B950-7D07-DBC845E52F13}"/>
-              </a:ext>
-            </a:extLst>
-          </p:cNvPr>
-          <p:cNvPicPr>
-            <a:picLocks noGrp="1" noChangeAspect="1"/>
-          </p:cNvPicPr>
-          <p:nvPr>
-            <p:ph idx="1"/>
-          </p:nvPr>
-        </p:nvPicPr>
-        <p:blipFill>
-          <a:blip r:embed="rId2">
-            <a:extLst>
-              <a:ext uri="{28A0092B-C50C-407E-A947-70E740481C1C}">
-                <a14:useLocalDpi xmlns:a14="http://schemas.microsoft.com/office/drawing/2010/main" val="0"/>
-              </a:ext>
-            </a:extLst>
-          </a:blip>
-          <a:stretch>
-            <a:fillRect/>
-          </a:stretch>
-        </p:blipFill>
-        <p:spPr>
-          <a:xfrm>
-            <a:off x="3843620" y="2049705"/>
-            <a:ext cx="4504759" cy="4443170"/>
-          </a:xfrm>
-        </p:spPr>
-      </p:pic>
+              <a:t> GL JS s deck.gl. V textu není konkrétně uvedeno, který způsob jste zvolil a proč. Jak by vypadalo řešení s využitím ostatních možností a jaké výhody nebo nevýhody by přineslo?</a:t>
+            </a:r>
+          </a:p>
+        </p:txBody>
+      </p:sp>
     </p:spTree>
     <p:extLst>
       <p:ext uri="{BB962C8B-B14F-4D97-AF65-F5344CB8AC3E}">
-        <p14:creationId xmlns:p14="http://schemas.microsoft.com/office/powerpoint/2010/main" val="2758149665"/>
+        <p14:creationId xmlns:p14="http://schemas.microsoft.com/office/powerpoint/2010/main" val="1164573181"/>
       </p:ext>
     </p:extLst>
   </p:cSld>
@@ -4597,4 +4692,286 @@
     </a:ext>
   </a:extLst>
 </a:theme>
+</file>
+
+<file path=customXml/item1.xml><?xml version="1.0" encoding="utf-8"?>
+<ct:contentTypeSchema xmlns:ct="http://schemas.microsoft.com/office/2006/metadata/contentType" xmlns:ma="http://schemas.microsoft.com/office/2006/metadata/properties/metaAttributes" ct:_="" ma:_="" ma:contentTypeName="Dokument" ma:contentTypeID="0x010100FB5F56A64B709A45B1447DDDC7436774" ma:contentTypeVersion="13" ma:contentTypeDescription="Vytvoří nový dokument" ma:contentTypeScope="" ma:versionID="9e931ba0e5ad5d7153cd83a77b5ee2c0">
+  <xsd:schema xmlns:xsd="http://www.w3.org/2001/XMLSchema" xmlns:xs="http://www.w3.org/2001/XMLSchema" xmlns:p="http://schemas.microsoft.com/office/2006/metadata/properties" xmlns:ns3="112df010-8984-44c7-854b-fb8571201720" xmlns:ns4="21c7bcb5-da5a-4e6e-8504-7e0b1031eb3f" targetNamespace="http://schemas.microsoft.com/office/2006/metadata/properties" ma:root="true" ma:fieldsID="0622645f64cd59adee38d3d2ec30c8a8" ns3:_="" ns4:_="">
+    <xsd:import namespace="112df010-8984-44c7-854b-fb8571201720"/>
+    <xsd:import namespace="21c7bcb5-da5a-4e6e-8504-7e0b1031eb3f"/>
+    <xsd:element name="properties">
+      <xsd:complexType>
+        <xsd:sequence>
+          <xsd:element name="documentManagement">
+            <xsd:complexType>
+              <xsd:all>
+                <xsd:element ref="ns3:SharedWithUsers" minOccurs="0"/>
+                <xsd:element ref="ns3:SharedWithDetails" minOccurs="0"/>
+                <xsd:element ref="ns3:SharingHintHash" minOccurs="0"/>
+                <xsd:element ref="ns4:MediaServiceMetadata" minOccurs="0"/>
+                <xsd:element ref="ns4:MediaServiceFastMetadata" minOccurs="0"/>
+                <xsd:element ref="ns4:MediaServiceObjectDetectorVersions" minOccurs="0"/>
+                <xsd:element ref="ns4:_activity" minOccurs="0"/>
+                <xsd:element ref="ns4:MediaServiceDateTaken" minOccurs="0"/>
+                <xsd:element ref="ns4:MediaServiceSystemTags" minOccurs="0"/>
+                <xsd:element ref="ns4:MediaServiceLocation" minOccurs="0"/>
+                <xsd:element ref="ns4:MediaServiceOCR" minOccurs="0"/>
+                <xsd:element ref="ns4:MediaServiceGenerationTime" minOccurs="0"/>
+                <xsd:element ref="ns4:MediaServiceEventHashCode" minOccurs="0"/>
+              </xsd:all>
+            </xsd:complexType>
+          </xsd:element>
+        </xsd:sequence>
+      </xsd:complexType>
+    </xsd:element>
+  </xsd:schema>
+  <xsd:schema xmlns:xsd="http://www.w3.org/2001/XMLSchema" xmlns:xs="http://www.w3.org/2001/XMLSchema" xmlns:dms="http://schemas.microsoft.com/office/2006/documentManagement/types" xmlns:pc="http://schemas.microsoft.com/office/infopath/2007/PartnerControls" targetNamespace="112df010-8984-44c7-854b-fb8571201720" elementFormDefault="qualified">
+    <xsd:import namespace="http://schemas.microsoft.com/office/2006/documentManagement/types"/>
+    <xsd:import namespace="http://schemas.microsoft.com/office/infopath/2007/PartnerControls"/>
+    <xsd:element name="SharedWithUsers" ma:index="8" nillable="true" ma:displayName="Sdílí se s" ma:internalName="SharedWithUsers" ma:readOnly="true">
+      <xsd:complexType>
+        <xsd:complexContent>
+          <xsd:extension base="dms:UserMulti">
+            <xsd:sequence>
+              <xsd:element name="UserInfo" minOccurs="0" maxOccurs="unbounded">
+                <xsd:complexType>
+                  <xsd:sequence>
+                    <xsd:element name="DisplayName" type="xsd:string" minOccurs="0"/>
+                    <xsd:element name="AccountId" type="dms:UserId" minOccurs="0" nillable="true"/>
+                    <xsd:element name="AccountType" type="xsd:string" minOccurs="0"/>
+                  </xsd:sequence>
+                </xsd:complexType>
+              </xsd:element>
+            </xsd:sequence>
+          </xsd:extension>
+        </xsd:complexContent>
+      </xsd:complexType>
+    </xsd:element>
+    <xsd:element name="SharedWithDetails" ma:index="9" nillable="true" ma:displayName="Sdílené s podrobnostmi" ma:internalName="SharedWithDetails" ma:readOnly="true">
+      <xsd:simpleType>
+        <xsd:restriction base="dms:Note">
+          <xsd:maxLength value="255"/>
+        </xsd:restriction>
+      </xsd:simpleType>
+    </xsd:element>
+    <xsd:element name="SharingHintHash" ma:index="10" nillable="true" ma:displayName="Hodnota hash upozornění na sdílení" ma:hidden="true" ma:internalName="SharingHintHash" ma:readOnly="true">
+      <xsd:simpleType>
+        <xsd:restriction base="dms:Text"/>
+      </xsd:simpleType>
+    </xsd:element>
+  </xsd:schema>
+  <xsd:schema xmlns:xsd="http://www.w3.org/2001/XMLSchema" xmlns:xs="http://www.w3.org/2001/XMLSchema" xmlns:dms="http://schemas.microsoft.com/office/2006/documentManagement/types" xmlns:pc="http://schemas.microsoft.com/office/infopath/2007/PartnerControls" targetNamespace="21c7bcb5-da5a-4e6e-8504-7e0b1031eb3f" elementFormDefault="qualified">
+    <xsd:import namespace="http://schemas.microsoft.com/office/2006/documentManagement/types"/>
+    <xsd:import namespace="http://schemas.microsoft.com/office/infopath/2007/PartnerControls"/>
+    <xsd:element name="MediaServiceMetadata" ma:index="11" nillable="true" ma:displayName="MediaServiceMetadata" ma:hidden="true" ma:internalName="MediaServiceMetadata" ma:readOnly="true">
+      <xsd:simpleType>
+        <xsd:restriction base="dms:Note"/>
+      </xsd:simpleType>
+    </xsd:element>
+    <xsd:element name="MediaServiceFastMetadata" ma:index="12" nillable="true" ma:displayName="MediaServiceFastMetadata" ma:hidden="true" ma:internalName="MediaServiceFastMetadata" ma:readOnly="true">
+      <xsd:simpleType>
+        <xsd:restriction base="dms:Note"/>
+      </xsd:simpleType>
+    </xsd:element>
+    <xsd:element name="MediaServiceObjectDetectorVersions" ma:index="13" nillable="true" ma:displayName="MediaServiceObjectDetectorVersions" ma:hidden="true" ma:indexed="true" ma:internalName="MediaServiceObjectDetectorVersions" ma:readOnly="true">
+      <xsd:simpleType>
+        <xsd:restriction base="dms:Text"/>
+      </xsd:simpleType>
+    </xsd:element>
+    <xsd:element name="_activity" ma:index="14" nillable="true" ma:displayName="_activity" ma:hidden="true" ma:internalName="_activity">
+      <xsd:simpleType>
+        <xsd:restriction base="dms:Note"/>
+      </xsd:simpleType>
+    </xsd:element>
+    <xsd:element name="MediaServiceDateTaken" ma:index="15" nillable="true" ma:displayName="MediaServiceDateTaken" ma:hidden="true" ma:indexed="true" ma:internalName="MediaServiceDateTaken" ma:readOnly="true">
+      <xsd:simpleType>
+        <xsd:restriction base="dms:Text"/>
+      </xsd:simpleType>
+    </xsd:element>
+    <xsd:element name="MediaServiceSystemTags" ma:index="16" nillable="true" ma:displayName="MediaServiceSystemTags" ma:hidden="true" ma:internalName="MediaServiceSystemTags" ma:readOnly="true">
+      <xsd:simpleType>
+        <xsd:restriction base="dms:Note"/>
+      </xsd:simpleType>
+    </xsd:element>
+    <xsd:element name="MediaServiceLocation" ma:index="17" nillable="true" ma:displayName="Location" ma:indexed="true" ma:internalName="MediaServiceLocation" ma:readOnly="true">
+      <xsd:simpleType>
+        <xsd:restriction base="dms:Text"/>
+      </xsd:simpleType>
+    </xsd:element>
+    <xsd:element name="MediaServiceOCR" ma:index="18" nillable="true" ma:displayName="Extracted Text" ma:internalName="MediaServiceOCR" ma:readOnly="true">
+      <xsd:simpleType>
+        <xsd:restriction base="dms:Note">
+          <xsd:maxLength value="255"/>
+        </xsd:restriction>
+      </xsd:simpleType>
+    </xsd:element>
+    <xsd:element name="MediaServiceGenerationTime" ma:index="19" nillable="true" ma:displayName="MediaServiceGenerationTime" ma:hidden="true" ma:internalName="MediaServiceGenerationTime" ma:readOnly="true">
+      <xsd:simpleType>
+        <xsd:restriction base="dms:Text"/>
+      </xsd:simpleType>
+    </xsd:element>
+    <xsd:element name="MediaServiceEventHashCode" ma:index="20" nillable="true" ma:displayName="MediaServiceEventHashCode" ma:hidden="true" ma:internalName="MediaServiceEventHashCode" ma:readOnly="true">
+      <xsd:simpleType>
+        <xsd:restriction base="dms:Text"/>
+      </xsd:simpleType>
+    </xsd:element>
+  </xsd:schema>
+  <xsd:schema xmlns="http://schemas.openxmlformats.org/package/2006/metadata/core-properties" xmlns:xsd="http://www.w3.org/2001/XMLSchema" xmlns:xsi="http://www.w3.org/2001/XMLSchema-instance" xmlns:dc="http://purl.org/dc/elements/1.1/" xmlns:dcterms="http://purl.org/dc/terms/" xmlns:odoc="http://schemas.microsoft.com/internal/obd" targetNamespace="http://schemas.openxmlformats.org/package/2006/metadata/core-properties" elementFormDefault="qualified" attributeFormDefault="unqualified" blockDefault="#all">
+    <xsd:import namespace="http://purl.org/dc/elements/1.1/" schemaLocation="http://dublincore.org/schemas/xmls/qdc/2003/04/02/dc.xsd"/>
+    <xsd:import namespace="http://purl.org/dc/terms/" schemaLocation="http://dublincore.org/schemas/xmls/qdc/2003/04/02/dcterms.xsd"/>
+    <xsd:element name="coreProperties" type="CT_coreProperties"/>
+    <xsd:complexType name="CT_coreProperties">
+      <xsd:all>
+        <xsd:element ref="dc:creator" minOccurs="0" maxOccurs="1"/>
+        <xsd:element ref="dcterms:created" minOccurs="0" maxOccurs="1"/>
+        <xsd:element ref="dc:identifier" minOccurs="0" maxOccurs="1"/>
+        <xsd:element name="contentType" minOccurs="0" maxOccurs="1" type="xsd:string" ma:index="0" ma:displayName="Typ obsahu"/>
+        <xsd:element ref="dc:title" minOccurs="0" maxOccurs="1" ma:index="4" ma:displayName="Nadpis"/>
+        <xsd:element ref="dc:subject" minOccurs="0" maxOccurs="1"/>
+        <xsd:element ref="dc:description" minOccurs="0" maxOccurs="1"/>
+        <xsd:element name="keywords" minOccurs="0" maxOccurs="1" type="xsd:string"/>
+        <xsd:element ref="dc:language" minOccurs="0" maxOccurs="1"/>
+        <xsd:element name="category" minOccurs="0" maxOccurs="1" type="xsd:string"/>
+        <xsd:element name="version" minOccurs="0" maxOccurs="1" type="xsd:string"/>
+        <xsd:element name="revision" minOccurs="0" maxOccurs="1" type="xsd:string">
+          <xsd:annotation>
+            <xsd:documentation>
+                        This value indicates the number of saves or revisions. The application is responsible for updating this value after each revision.
+                    </xsd:documentation>
+          </xsd:annotation>
+        </xsd:element>
+        <xsd:element name="lastModifiedBy" minOccurs="0" maxOccurs="1" type="xsd:string"/>
+        <xsd:element ref="dcterms:modified" minOccurs="0" maxOccurs="1"/>
+        <xsd:element name="contentStatus" minOccurs="0" maxOccurs="1" type="xsd:string"/>
+      </xsd:all>
+    </xsd:complexType>
+  </xsd:schema>
+  <xs:schema xmlns:pc="http://schemas.microsoft.com/office/infopath/2007/PartnerControls" xmlns:xs="http://www.w3.org/2001/XMLSchema" targetNamespace="http://schemas.microsoft.com/office/infopath/2007/PartnerControls" elementFormDefault="qualified" attributeFormDefault="unqualified">
+    <xs:element name="Person">
+      <xs:complexType>
+        <xs:sequence>
+          <xs:element ref="pc:DisplayName" minOccurs="0"/>
+          <xs:element ref="pc:AccountId" minOccurs="0"/>
+          <xs:element ref="pc:AccountType" minOccurs="0"/>
+        </xs:sequence>
+      </xs:complexType>
+    </xs:element>
+    <xs:element name="DisplayName" type="xs:string"/>
+    <xs:element name="AccountId" type="xs:string"/>
+    <xs:element name="AccountType" type="xs:string"/>
+    <xs:element name="BDCAssociatedEntity">
+      <xs:complexType>
+        <xs:sequence>
+          <xs:element ref="pc:BDCEntity" minOccurs="0" maxOccurs="unbounded"/>
+        </xs:sequence>
+        <xs:attribute ref="pc:EntityNamespace"/>
+        <xs:attribute ref="pc:EntityName"/>
+        <xs:attribute ref="pc:SystemInstanceName"/>
+        <xs:attribute ref="pc:AssociationName"/>
+      </xs:complexType>
+    </xs:element>
+    <xs:attribute name="EntityNamespace" type="xs:string"/>
+    <xs:attribute name="EntityName" type="xs:string"/>
+    <xs:attribute name="SystemInstanceName" type="xs:string"/>
+    <xs:attribute name="AssociationName" type="xs:string"/>
+    <xs:element name="BDCEntity">
+      <xs:complexType>
+        <xs:sequence>
+          <xs:element ref="pc:EntityDisplayName" minOccurs="0"/>
+          <xs:element ref="pc:EntityInstanceReference" minOccurs="0"/>
+          <xs:element ref="pc:EntityId1" minOccurs="0"/>
+          <xs:element ref="pc:EntityId2" minOccurs="0"/>
+          <xs:element ref="pc:EntityId3" minOccurs="0"/>
+          <xs:element ref="pc:EntityId4" minOccurs="0"/>
+          <xs:element ref="pc:EntityId5" minOccurs="0"/>
+        </xs:sequence>
+      </xs:complexType>
+    </xs:element>
+    <xs:element name="EntityDisplayName" type="xs:string"/>
+    <xs:element name="EntityInstanceReference" type="xs:string"/>
+    <xs:element name="EntityId1" type="xs:string"/>
+    <xs:element name="EntityId2" type="xs:string"/>
+    <xs:element name="EntityId3" type="xs:string"/>
+    <xs:element name="EntityId4" type="xs:string"/>
+    <xs:element name="EntityId5" type="xs:string"/>
+    <xs:element name="Terms">
+      <xs:complexType>
+        <xs:sequence>
+          <xs:element ref="pc:TermInfo" minOccurs="0" maxOccurs="unbounded"/>
+        </xs:sequence>
+      </xs:complexType>
+    </xs:element>
+    <xs:element name="TermInfo">
+      <xs:complexType>
+        <xs:sequence>
+          <xs:element ref="pc:TermName" minOccurs="0"/>
+          <xs:element ref="pc:TermId" minOccurs="0"/>
+        </xs:sequence>
+      </xs:complexType>
+    </xs:element>
+    <xs:element name="TermName" type="xs:string"/>
+    <xs:element name="TermId" type="xs:string"/>
+  </xs:schema>
+</ct:contentTypeSchema>
+</file>
+
+<file path=customXml/item2.xml><?xml version="1.0" encoding="utf-8"?>
+<?mso-contentType ?>
+<FormTemplates xmlns="http://schemas.microsoft.com/sharepoint/v3/contenttype/forms">
+  <Display>DocumentLibraryForm</Display>
+  <Edit>DocumentLibraryForm</Edit>
+  <New>DocumentLibraryForm</New>
+</FormTemplates>
+</file>
+
+<file path=customXml/item3.xml><?xml version="1.0" encoding="utf-8"?>
+<p:properties xmlns:p="http://schemas.microsoft.com/office/2006/metadata/properties" xmlns:xsi="http://www.w3.org/2001/XMLSchema-instance" xmlns:pc="http://schemas.microsoft.com/office/infopath/2007/PartnerControls">
+  <documentManagement>
+    <_activity xmlns="21c7bcb5-da5a-4e6e-8504-7e0b1031eb3f" xsi:nil="true"/>
+  </documentManagement>
+</p:properties>
+</file>
+
+<file path=customXml/itemProps1.xml><?xml version="1.0" encoding="utf-8"?>
+<ds:datastoreItem xmlns:ds="http://schemas.openxmlformats.org/officeDocument/2006/customXml" ds:itemID="{093CE5AF-FD00-404E-8456-C33FD5FE6EF0}">
+  <ds:schemaRefs>
+    <ds:schemaRef ds:uri="http://schemas.microsoft.com/office/2006/metadata/contentType"/>
+    <ds:schemaRef ds:uri="http://schemas.microsoft.com/office/2006/metadata/properties/metaAttributes"/>
+    <ds:schemaRef ds:uri="http://www.w3.org/2001/XMLSchema"/>
+    <ds:schemaRef ds:uri="http://schemas.microsoft.com/office/2006/metadata/properties"/>
+    <ds:schemaRef ds:uri="112df010-8984-44c7-854b-fb8571201720"/>
+    <ds:schemaRef ds:uri="21c7bcb5-da5a-4e6e-8504-7e0b1031eb3f"/>
+    <ds:schemaRef ds:uri="http://schemas.microsoft.com/office/2006/documentManagement/types"/>
+    <ds:schemaRef ds:uri="http://schemas.microsoft.com/office/infopath/2007/PartnerControls"/>
+    <ds:schemaRef ds:uri="http://schemas.openxmlformats.org/package/2006/metadata/core-properties"/>
+    <ds:schemaRef ds:uri="http://purl.org/dc/elements/1.1/"/>
+    <ds:schemaRef ds:uri="http://purl.org/dc/terms/"/>
+    <ds:schemaRef ds:uri="http://schemas.microsoft.com/internal/obd"/>
+  </ds:schemaRefs>
+</ds:datastoreItem>
+</file>
+
+<file path=customXml/itemProps2.xml><?xml version="1.0" encoding="utf-8"?>
+<ds:datastoreItem xmlns:ds="http://schemas.openxmlformats.org/officeDocument/2006/customXml" ds:itemID="{950BF0D4-B60E-4622-AFEC-0C764A35E64E}">
+  <ds:schemaRefs>
+    <ds:schemaRef ds:uri="http://schemas.microsoft.com/sharepoint/v3/contenttype/forms"/>
+  </ds:schemaRefs>
+</ds:datastoreItem>
+</file>
+
+<file path=customXml/itemProps3.xml><?xml version="1.0" encoding="utf-8"?>
+<ds:datastoreItem xmlns:ds="http://schemas.openxmlformats.org/officeDocument/2006/customXml" ds:itemID="{08065FE6-7E02-458D-9D50-434CFB9759BD}">
+  <ds:schemaRefs>
+    <ds:schemaRef ds:uri="http://www.w3.org/XML/1998/namespace"/>
+    <ds:schemaRef ds:uri="http://schemas.openxmlformats.org/package/2006/metadata/core-properties"/>
+    <ds:schemaRef ds:uri="http://purl.org/dc/dcmitype/"/>
+    <ds:schemaRef ds:uri="http://purl.org/dc/terms/"/>
+    <ds:schemaRef ds:uri="http://purl.org/dc/elements/1.1/"/>
+    <ds:schemaRef ds:uri="http://schemas.microsoft.com/office/2006/documentManagement/types"/>
+    <ds:schemaRef ds:uri="http://schemas.microsoft.com/office/infopath/2007/PartnerControls"/>
+    <ds:schemaRef ds:uri="21c7bcb5-da5a-4e6e-8504-7e0b1031eb3f"/>
+    <ds:schemaRef ds:uri="112df010-8984-44c7-854b-fb8571201720"/>
+    <ds:schemaRef ds:uri="http://schemas.microsoft.com/office/2006/metadata/properties"/>
+  </ds:schemaRefs>
+</ds:datastoreItem>
 </file>